--- a/VUE-CLI-Router-Components/vue-cli.pptx
+++ b/VUE-CLI-Router-Components/vue-cli.pptx
@@ -9,6 +9,7 @@
     <p:sldId id="268" r:id="rId3"/>
     <p:sldId id="269" r:id="rId4"/>
     <p:sldId id="270" r:id="rId5"/>
+    <p:sldId id="271" r:id="rId6"/>
   </p:sldIdLst>
   <p:sldSz cx="12192000" cy="6858000"/>
   <p:notesSz cx="6858000" cy="9144000"/>
@@ -5360,6 +5361,143 @@
 </p:sld>
 </file>
 
+<file path=ppt/slides/slide5.xml><?xml version="1.0" encoding="utf-8"?>
+<p:sld xmlns:a="http://schemas.openxmlformats.org/drawingml/2006/main" xmlns:r="http://schemas.openxmlformats.org/officeDocument/2006/relationships" xmlns:p="http://schemas.openxmlformats.org/presentationml/2006/main">
+  <p:cSld>
+    <p:spTree>
+      <p:nvGrpSpPr>
+        <p:cNvPr id="1" name=""/>
+        <p:cNvGrpSpPr/>
+        <p:nvPr/>
+      </p:nvGrpSpPr>
+      <p:grpSpPr>
+        <a:xfrm>
+          <a:off x="0" y="0"/>
+          <a:ext cx="0" cy="0"/>
+          <a:chOff x="0" y="0"/>
+          <a:chExt cx="0" cy="0"/>
+        </a:xfrm>
+      </p:grpSpPr>
+      <p:sp>
+        <p:nvSpPr>
+          <p:cNvPr id="2" name="標題 1">
+            <a:extLst>
+              <a:ext uri="{FF2B5EF4-FFF2-40B4-BE49-F238E27FC236}">
+                <a16:creationId xmlns:a16="http://schemas.microsoft.com/office/drawing/2014/main" id="{99A48FD6-DC2D-4A5E-B788-C802EDB01128}"/>
+              </a:ext>
+            </a:extLst>
+          </p:cNvPr>
+          <p:cNvSpPr>
+            <a:spLocks noGrp="1"/>
+          </p:cNvSpPr>
+          <p:nvPr>
+            <p:ph type="title"/>
+          </p:nvPr>
+        </p:nvSpPr>
+        <p:spPr>
+          <a:xfrm>
+            <a:off x="3241989" y="3545475"/>
+            <a:ext cx="4732033" cy="594883"/>
+          </a:xfrm>
+        </p:spPr>
+        <p:txBody>
+          <a:bodyPr>
+            <a:normAutofit/>
+          </a:bodyPr>
+          <a:lstStyle/>
+          <a:p>
+            <a:r>
+              <a:rPr lang="en-US" altLang="zh-TW" sz="2800" dirty="0">
+                <a:solidFill>
+                  <a:schemeClr val="bg1"/>
+                </a:solidFill>
+              </a:rPr>
+              <a:t>https://next.router.vuejs.org/</a:t>
+            </a:r>
+            <a:endParaRPr lang="zh-TW" altLang="en-US" sz="2800" dirty="0">
+              <a:solidFill>
+                <a:schemeClr val="bg1"/>
+              </a:solidFill>
+            </a:endParaRPr>
+          </a:p>
+        </p:txBody>
+      </p:sp>
+      <p:sp>
+        <p:nvSpPr>
+          <p:cNvPr id="4" name="標題 1">
+            <a:extLst>
+              <a:ext uri="{FF2B5EF4-FFF2-40B4-BE49-F238E27FC236}">
+                <a16:creationId xmlns:a16="http://schemas.microsoft.com/office/drawing/2014/main" id="{20399399-AF10-4E90-A1A9-1DF69541A5EB}"/>
+              </a:ext>
+            </a:extLst>
+          </p:cNvPr>
+          <p:cNvSpPr txBox="1">
+            <a:spLocks/>
+          </p:cNvSpPr>
+          <p:nvPr/>
+        </p:nvSpPr>
+        <p:spPr>
+          <a:xfrm>
+            <a:off x="3183835" y="2941506"/>
+            <a:ext cx="3892550" cy="708025"/>
+          </a:xfrm>
+          <a:prstGeom prst="rect">
+            <a:avLst/>
+          </a:prstGeom>
+        </p:spPr>
+        <p:txBody>
+          <a:bodyPr vert="horz" lIns="91440" tIns="45720" rIns="91440" bIns="45720" rtlCol="0" anchor="ctr">
+            <a:normAutofit/>
+          </a:bodyPr>
+          <a:lstStyle>
+            <a:lvl1pPr algn="l" defTabSz="914400" rtl="0" eaLnBrk="1" latinLnBrk="0" hangingPunct="1">
+              <a:lnSpc>
+                <a:spcPct val="90000"/>
+              </a:lnSpc>
+              <a:spcBef>
+                <a:spcPct val="0"/>
+              </a:spcBef>
+              <a:buNone/>
+              <a:defRPr sz="4400" kern="1200">
+                <a:solidFill>
+                  <a:schemeClr val="tx1"/>
+                </a:solidFill>
+                <a:latin typeface="+mj-lt"/>
+                <a:ea typeface="+mj-ea"/>
+                <a:cs typeface="+mj-cs"/>
+              </a:defRPr>
+            </a:lvl1pPr>
+          </a:lstStyle>
+          <a:p>
+            <a:r>
+              <a:rPr lang="en-US" altLang="zh-TW" b="1" dirty="0">
+                <a:solidFill>
+                  <a:schemeClr val="bg1"/>
+                </a:solidFill>
+              </a:rPr>
+              <a:t>Vue Router</a:t>
+            </a:r>
+            <a:endParaRPr lang="zh-TW" altLang="en-US" b="1" dirty="0">
+              <a:solidFill>
+                <a:schemeClr val="bg1"/>
+              </a:solidFill>
+            </a:endParaRPr>
+          </a:p>
+        </p:txBody>
+      </p:sp>
+    </p:spTree>
+    <p:extLst>
+      <p:ext uri="{BB962C8B-B14F-4D97-AF65-F5344CB8AC3E}">
+        <p14:creationId xmlns:p14="http://schemas.microsoft.com/office/powerpoint/2010/main" val="4044243678"/>
+      </p:ext>
+    </p:extLst>
+  </p:cSld>
+  <p:clrMapOvr>
+    <a:masterClrMapping/>
+  </p:clrMapOvr>
+</p:sld>
+</file>
+
 <file path=ppt/theme/theme1.xml><?xml version="1.0" encoding="utf-8"?>
 <a:theme xmlns:a="http://schemas.openxmlformats.org/drawingml/2006/main" name="Office 佈景主題">
   <a:themeElements>

--- a/VUE-CLI-Router-Components/vue-cli.pptx
+++ b/VUE-CLI-Router-Components/vue-cli.pptx
@@ -9,7 +9,8 @@
     <p:sldId id="268" r:id="rId3"/>
     <p:sldId id="269" r:id="rId4"/>
     <p:sldId id="270" r:id="rId5"/>
-    <p:sldId id="271" r:id="rId6"/>
+    <p:sldId id="272" r:id="rId6"/>
+    <p:sldId id="271" r:id="rId7"/>
   </p:sldIdLst>
   <p:sldSz cx="12192000" cy="6858000"/>
   <p:notesSz cx="6858000" cy="9144000"/>
@@ -275,7 +276,7 @@
           <a:p>
             <a:fld id="{55B5673A-2C76-400E-AECF-A7C5CD58B306}" type="datetimeFigureOut">
               <a:rPr lang="zh-TW" altLang="en-US" smtClean="0"/>
-              <a:t>2020/10/22</a:t>
+              <a:t>2020/10/25</a:t>
             </a:fld>
             <a:endParaRPr lang="zh-TW" altLang="en-US"/>
           </a:p>
@@ -473,7 +474,7 @@
           <a:p>
             <a:fld id="{55B5673A-2C76-400E-AECF-A7C5CD58B306}" type="datetimeFigureOut">
               <a:rPr lang="zh-TW" altLang="en-US" smtClean="0"/>
-              <a:t>2020/10/22</a:t>
+              <a:t>2020/10/25</a:t>
             </a:fld>
             <a:endParaRPr lang="zh-TW" altLang="en-US"/>
           </a:p>
@@ -681,7 +682,7 @@
           <a:p>
             <a:fld id="{55B5673A-2C76-400E-AECF-A7C5CD58B306}" type="datetimeFigureOut">
               <a:rPr lang="zh-TW" altLang="en-US" smtClean="0"/>
-              <a:t>2020/10/22</a:t>
+              <a:t>2020/10/25</a:t>
             </a:fld>
             <a:endParaRPr lang="zh-TW" altLang="en-US"/>
           </a:p>
@@ -879,7 +880,7 @@
           <a:p>
             <a:fld id="{55B5673A-2C76-400E-AECF-A7C5CD58B306}" type="datetimeFigureOut">
               <a:rPr lang="zh-TW" altLang="en-US" smtClean="0"/>
-              <a:t>2020/10/22</a:t>
+              <a:t>2020/10/25</a:t>
             </a:fld>
             <a:endParaRPr lang="zh-TW" altLang="en-US"/>
           </a:p>
@@ -1154,7 +1155,7 @@
           <a:p>
             <a:fld id="{55B5673A-2C76-400E-AECF-A7C5CD58B306}" type="datetimeFigureOut">
               <a:rPr lang="zh-TW" altLang="en-US" smtClean="0"/>
-              <a:t>2020/10/22</a:t>
+              <a:t>2020/10/25</a:t>
             </a:fld>
             <a:endParaRPr lang="zh-TW" altLang="en-US"/>
           </a:p>
@@ -1419,7 +1420,7 @@
           <a:p>
             <a:fld id="{55B5673A-2C76-400E-AECF-A7C5CD58B306}" type="datetimeFigureOut">
               <a:rPr lang="zh-TW" altLang="en-US" smtClean="0"/>
-              <a:t>2020/10/22</a:t>
+              <a:t>2020/10/25</a:t>
             </a:fld>
             <a:endParaRPr lang="zh-TW" altLang="en-US"/>
           </a:p>
@@ -1831,7 +1832,7 @@
           <a:p>
             <a:fld id="{55B5673A-2C76-400E-AECF-A7C5CD58B306}" type="datetimeFigureOut">
               <a:rPr lang="zh-TW" altLang="en-US" smtClean="0"/>
-              <a:t>2020/10/22</a:t>
+              <a:t>2020/10/25</a:t>
             </a:fld>
             <a:endParaRPr lang="zh-TW" altLang="en-US"/>
           </a:p>
@@ -1972,7 +1973,7 @@
           <a:p>
             <a:fld id="{55B5673A-2C76-400E-AECF-A7C5CD58B306}" type="datetimeFigureOut">
               <a:rPr lang="zh-TW" altLang="en-US" smtClean="0"/>
-              <a:t>2020/10/22</a:t>
+              <a:t>2020/10/25</a:t>
             </a:fld>
             <a:endParaRPr lang="zh-TW" altLang="en-US"/>
           </a:p>
@@ -2085,7 +2086,7 @@
           <a:p>
             <a:fld id="{55B5673A-2C76-400E-AECF-A7C5CD58B306}" type="datetimeFigureOut">
               <a:rPr lang="zh-TW" altLang="en-US" smtClean="0"/>
-              <a:t>2020/10/22</a:t>
+              <a:t>2020/10/25</a:t>
             </a:fld>
             <a:endParaRPr lang="zh-TW" altLang="en-US"/>
           </a:p>
@@ -2396,7 +2397,7 @@
           <a:p>
             <a:fld id="{55B5673A-2C76-400E-AECF-A7C5CD58B306}" type="datetimeFigureOut">
               <a:rPr lang="zh-TW" altLang="en-US" smtClean="0"/>
-              <a:t>2020/10/22</a:t>
+              <a:t>2020/10/25</a:t>
             </a:fld>
             <a:endParaRPr lang="zh-TW" altLang="en-US"/>
           </a:p>
@@ -2684,7 +2685,7 @@
           <a:p>
             <a:fld id="{55B5673A-2C76-400E-AECF-A7C5CD58B306}" type="datetimeFigureOut">
               <a:rPr lang="zh-TW" altLang="en-US" smtClean="0"/>
-              <a:t>2020/10/22</a:t>
+              <a:t>2020/10/25</a:t>
             </a:fld>
             <a:endParaRPr lang="zh-TW" altLang="en-US"/>
           </a:p>
@@ -2928,7 +2929,7 @@
           <a:p>
             <a:fld id="{55B5673A-2C76-400E-AECF-A7C5CD58B306}" type="datetimeFigureOut">
               <a:rPr lang="zh-TW" altLang="en-US" smtClean="0"/>
-              <a:t>2020/10/22</a:t>
+              <a:t>2020/10/25</a:t>
             </a:fld>
             <a:endParaRPr lang="zh-TW" altLang="en-US"/>
           </a:p>
@@ -5378,6 +5379,72 @@
           <a:chExt cx="0" cy="0"/>
         </a:xfrm>
       </p:grpSpPr>
+      <p:pic>
+        <p:nvPicPr>
+          <p:cNvPr id="5" name="圖片 4">
+            <a:extLst>
+              <a:ext uri="{FF2B5EF4-FFF2-40B4-BE49-F238E27FC236}">
+                <a16:creationId xmlns:a16="http://schemas.microsoft.com/office/drawing/2014/main" id="{FF30645B-A96F-47F3-9352-6C621DB78F7B}"/>
+              </a:ext>
+            </a:extLst>
+          </p:cNvPr>
+          <p:cNvPicPr>
+            <a:picLocks noChangeAspect="1"/>
+          </p:cNvPicPr>
+          <p:nvPr/>
+        </p:nvPicPr>
+        <p:blipFill>
+          <a:blip r:embed="rId2">
+            <a:extLst>
+              <a:ext uri="{28A0092B-C50C-407E-A947-70E740481C1C}">
+                <a14:useLocalDpi xmlns:a14="http://schemas.microsoft.com/office/drawing/2010/main" val="0"/>
+              </a:ext>
+            </a:extLst>
+          </a:blip>
+          <a:stretch>
+            <a:fillRect/>
+          </a:stretch>
+        </p:blipFill>
+        <p:spPr>
+          <a:xfrm>
+            <a:off x="976875" y="1377953"/>
+            <a:ext cx="10334802" cy="4102094"/>
+          </a:xfrm>
+          <a:prstGeom prst="rect">
+            <a:avLst/>
+          </a:prstGeom>
+        </p:spPr>
+      </p:pic>
+    </p:spTree>
+    <p:extLst>
+      <p:ext uri="{BB962C8B-B14F-4D97-AF65-F5344CB8AC3E}">
+        <p14:creationId xmlns:p14="http://schemas.microsoft.com/office/powerpoint/2010/main" val="2890937765"/>
+      </p:ext>
+    </p:extLst>
+  </p:cSld>
+  <p:clrMapOvr>
+    <a:masterClrMapping/>
+  </p:clrMapOvr>
+</p:sld>
+</file>
+
+<file path=ppt/slides/slide6.xml><?xml version="1.0" encoding="utf-8"?>
+<p:sld xmlns:a="http://schemas.openxmlformats.org/drawingml/2006/main" xmlns:r="http://schemas.openxmlformats.org/officeDocument/2006/relationships" xmlns:p="http://schemas.openxmlformats.org/presentationml/2006/main">
+  <p:cSld>
+    <p:spTree>
+      <p:nvGrpSpPr>
+        <p:cNvPr id="1" name=""/>
+        <p:cNvGrpSpPr/>
+        <p:nvPr/>
+      </p:nvGrpSpPr>
+      <p:grpSpPr>
+        <a:xfrm>
+          <a:off x="0" y="0"/>
+          <a:ext cx="0" cy="0"/>
+          <a:chOff x="0" y="0"/>
+          <a:chExt cx="0" cy="0"/>
+        </a:xfrm>
+      </p:grpSpPr>
       <p:sp>
         <p:nvSpPr>
           <p:cNvPr id="2" name="標題 1">
